--- a/development/Price Reference/draft.pptx
+++ b/development/Price Reference/draft.pptx
@@ -106,6 +106,11 @@
       </a:defRPr>
     </a:lvl9pPr>
   </p:defaultTextStyle>
+  <p:extLst>
+    <p:ext uri="{EFAFB233-063F-42B5-8137-9DF3F51BA10A}">
+      <p15:sldGuideLst xmlns:p15="http://schemas.microsoft.com/office/powerpoint/2012/main"/>
+    </p:ext>
+  </p:extLst>
 </p:presentation>
 </file>
 
@@ -256,7 +261,7 @@
           <a:p>
             <a:fld id="{E40E9D92-2948-4A5B-A7A1-4767B03FBCCA}" type="datetimeFigureOut">
               <a:rPr lang="zh-CN" altLang="en-US" smtClean="0"/>
-              <a:t>2020-4-30</a:t>
+              <a:t>2020-5-11</a:t>
             </a:fld>
             <a:endParaRPr lang="zh-CN" altLang="en-US"/>
           </a:p>
@@ -454,7 +459,7 @@
           <a:p>
             <a:fld id="{E40E9D92-2948-4A5B-A7A1-4767B03FBCCA}" type="datetimeFigureOut">
               <a:rPr lang="zh-CN" altLang="en-US" smtClean="0"/>
-              <a:t>2020-4-30</a:t>
+              <a:t>2020-5-11</a:t>
             </a:fld>
             <a:endParaRPr lang="zh-CN" altLang="en-US"/>
           </a:p>
@@ -662,7 +667,7 @@
           <a:p>
             <a:fld id="{E40E9D92-2948-4A5B-A7A1-4767B03FBCCA}" type="datetimeFigureOut">
               <a:rPr lang="zh-CN" altLang="en-US" smtClean="0"/>
-              <a:t>2020-4-30</a:t>
+              <a:t>2020-5-11</a:t>
             </a:fld>
             <a:endParaRPr lang="zh-CN" altLang="en-US"/>
           </a:p>
@@ -860,7 +865,7 @@
           <a:p>
             <a:fld id="{E40E9D92-2948-4A5B-A7A1-4767B03FBCCA}" type="datetimeFigureOut">
               <a:rPr lang="zh-CN" altLang="en-US" smtClean="0"/>
-              <a:t>2020-4-30</a:t>
+              <a:t>2020-5-11</a:t>
             </a:fld>
             <a:endParaRPr lang="zh-CN" altLang="en-US"/>
           </a:p>
@@ -1135,7 +1140,7 @@
           <a:p>
             <a:fld id="{E40E9D92-2948-4A5B-A7A1-4767B03FBCCA}" type="datetimeFigureOut">
               <a:rPr lang="zh-CN" altLang="en-US" smtClean="0"/>
-              <a:t>2020-4-30</a:t>
+              <a:t>2020-5-11</a:t>
             </a:fld>
             <a:endParaRPr lang="zh-CN" altLang="en-US"/>
           </a:p>
@@ -1400,7 +1405,7 @@
           <a:p>
             <a:fld id="{E40E9D92-2948-4A5B-A7A1-4767B03FBCCA}" type="datetimeFigureOut">
               <a:rPr lang="zh-CN" altLang="en-US" smtClean="0"/>
-              <a:t>2020-4-30</a:t>
+              <a:t>2020-5-11</a:t>
             </a:fld>
             <a:endParaRPr lang="zh-CN" altLang="en-US"/>
           </a:p>
@@ -1812,7 +1817,7 @@
           <a:p>
             <a:fld id="{E40E9D92-2948-4A5B-A7A1-4767B03FBCCA}" type="datetimeFigureOut">
               <a:rPr lang="zh-CN" altLang="en-US" smtClean="0"/>
-              <a:t>2020-4-30</a:t>
+              <a:t>2020-5-11</a:t>
             </a:fld>
             <a:endParaRPr lang="zh-CN" altLang="en-US"/>
           </a:p>
@@ -1953,7 +1958,7 @@
           <a:p>
             <a:fld id="{E40E9D92-2948-4A5B-A7A1-4767B03FBCCA}" type="datetimeFigureOut">
               <a:rPr lang="zh-CN" altLang="en-US" smtClean="0"/>
-              <a:t>2020-4-30</a:t>
+              <a:t>2020-5-11</a:t>
             </a:fld>
             <a:endParaRPr lang="zh-CN" altLang="en-US"/>
           </a:p>
@@ -2066,7 +2071,7 @@
           <a:p>
             <a:fld id="{E40E9D92-2948-4A5B-A7A1-4767B03FBCCA}" type="datetimeFigureOut">
               <a:rPr lang="zh-CN" altLang="en-US" smtClean="0"/>
-              <a:t>2020-4-30</a:t>
+              <a:t>2020-5-11</a:t>
             </a:fld>
             <a:endParaRPr lang="zh-CN" altLang="en-US"/>
           </a:p>
@@ -2377,7 +2382,7 @@
           <a:p>
             <a:fld id="{E40E9D92-2948-4A5B-A7A1-4767B03FBCCA}" type="datetimeFigureOut">
               <a:rPr lang="zh-CN" altLang="en-US" smtClean="0"/>
-              <a:t>2020-4-30</a:t>
+              <a:t>2020-5-11</a:t>
             </a:fld>
             <a:endParaRPr lang="zh-CN" altLang="en-US"/>
           </a:p>
@@ -2665,7 +2670,7 @@
           <a:p>
             <a:fld id="{E40E9D92-2948-4A5B-A7A1-4767B03FBCCA}" type="datetimeFigureOut">
               <a:rPr lang="zh-CN" altLang="en-US" smtClean="0"/>
-              <a:t>2020-4-30</a:t>
+              <a:t>2020-5-11</a:t>
             </a:fld>
             <a:endParaRPr lang="zh-CN" altLang="en-US"/>
           </a:p>
@@ -2906,7 +2911,7 @@
           <a:p>
             <a:fld id="{E40E9D92-2948-4A5B-A7A1-4767B03FBCCA}" type="datetimeFigureOut">
               <a:rPr lang="zh-CN" altLang="en-US" smtClean="0"/>
-              <a:t>2020-4-30</a:t>
+              <a:t>2020-5-11</a:t>
             </a:fld>
             <a:endParaRPr lang="zh-CN" altLang="en-US"/>
           </a:p>
@@ -4577,10 +4582,16 @@
           <p:cNvGraphicFramePr>
             <a:graphicFrameLocks noGrp="1"/>
           </p:cNvGraphicFramePr>
-          <p:nvPr/>
+          <p:nvPr>
+            <p:extLst>
+              <p:ext uri="{D42A27DB-BD31-4B8C-83A1-F6EECF244321}">
+                <p14:modId xmlns:p14="http://schemas.microsoft.com/office/powerpoint/2010/main" val="3625257245"/>
+              </p:ext>
+            </p:extLst>
+          </p:nvPr>
         </p:nvGraphicFramePr>
         <p:xfrm>
-          <a:off x="0" y="0"/>
+          <a:off x="0" y="1"/>
           <a:ext cx="12192000" cy="6858000"/>
         </p:xfrm>
         <a:graphic>
@@ -4590,21 +4601,28 @@
                 <a:tableStyleId>{22838BEF-8BB2-4498-84A7-C5851F593DF1}</a:tableStyleId>
               </a:tblPr>
               <a:tblGrid>
-                <a:gridCol w="4064000">
+                <a:gridCol w="3048000">
+                  <a:extLst>
+                    <a:ext uri="{9D8B030D-6E8A-4147-A177-3AD203B41FA5}">
+                      <a16:colId xmlns:a16="http://schemas.microsoft.com/office/drawing/2014/main" val="2610531723"/>
+                    </a:ext>
+                  </a:extLst>
+                </a:gridCol>
+                <a:gridCol w="3048000">
                   <a:extLst>
                     <a:ext uri="{9D8B030D-6E8A-4147-A177-3AD203B41FA5}">
                       <a16:colId xmlns:a16="http://schemas.microsoft.com/office/drawing/2014/main" val="4161773166"/>
                     </a:ext>
                   </a:extLst>
                 </a:gridCol>
-                <a:gridCol w="4064000">
+                <a:gridCol w="3048000">
                   <a:extLst>
                     <a:ext uri="{9D8B030D-6E8A-4147-A177-3AD203B41FA5}">
                       <a16:colId xmlns:a16="http://schemas.microsoft.com/office/drawing/2014/main" val="4089361124"/>
                     </a:ext>
                   </a:extLst>
                 </a:gridCol>
-                <a:gridCol w="4064000">
+                <a:gridCol w="3048000">
                   <a:extLst>
                     <a:ext uri="{9D8B030D-6E8A-4147-A177-3AD203B41FA5}">
                       <a16:colId xmlns:a16="http://schemas.microsoft.com/office/drawing/2014/main" val="3641622427"/>
@@ -4612,12 +4630,21 @@
                   </a:extLst>
                 </a:gridCol>
               </a:tblGrid>
-              <a:tr h="3429000">
+              <a:tr h="634320">
                 <a:tc>
                   <a:txBody>
                     <a:bodyPr/>
                     <a:lstStyle/>
                     <a:p>
+                      <a:pPr lvl="0" algn="ctr">
+                        <a:lnSpc>
+                          <a:spcPct val="150000"/>
+                        </a:lnSpc>
+                      </a:pPr>
+                      <a:r>
+                        <a:rPr lang="en-US" altLang="zh-CN" dirty="0"/>
+                        <a:t>Register.html</a:t>
+                      </a:r>
                       <a:endParaRPr lang="zh-CN" altLang="en-US" dirty="0"/>
                     </a:p>
                   </a:txBody>
@@ -4628,6 +4655,15 @@
                     <a:bodyPr/>
                     <a:lstStyle/>
                     <a:p>
+                      <a:pPr lvl="0" algn="ctr">
+                        <a:lnSpc>
+                          <a:spcPct val="150000"/>
+                        </a:lnSpc>
+                      </a:pPr>
+                      <a:r>
+                        <a:rPr lang="en-US" altLang="zh-CN" dirty="0"/>
+                        <a:t>registUserServlet.java</a:t>
+                      </a:r>
                       <a:endParaRPr lang="zh-CN" altLang="en-US" dirty="0"/>
                     </a:p>
                   </a:txBody>
@@ -4638,7 +4674,290 @@
                     <a:bodyPr/>
                     <a:lstStyle/>
                     <a:p>
-                      <a:endParaRPr lang="zh-CN" altLang="en-US"/>
+                      <a:pPr lvl="0" algn="ctr">
+                        <a:lnSpc>
+                          <a:spcPct val="150000"/>
+                        </a:lnSpc>
+                      </a:pPr>
+                      <a:r>
+                        <a:rPr lang="en-US" altLang="zh-CN" dirty="0"/>
+                        <a:t>UserService.java</a:t>
+                      </a:r>
+                      <a:endParaRPr lang="zh-CN" altLang="en-US" dirty="0"/>
+                    </a:p>
+                  </a:txBody>
+                  <a:tcPr/>
+                </a:tc>
+                <a:tc>
+                  <a:txBody>
+                    <a:bodyPr/>
+                    <a:lstStyle/>
+                    <a:p>
+                      <a:pPr lvl="0" algn="ctr">
+                        <a:lnSpc>
+                          <a:spcPct val="150000"/>
+                        </a:lnSpc>
+                      </a:pPr>
+                      <a:r>
+                        <a:rPr lang="en-US" altLang="zh-CN" dirty="0"/>
+                        <a:t>UserDao.java</a:t>
+                      </a:r>
+                      <a:endParaRPr lang="zh-CN" altLang="en-US" dirty="0"/>
+                    </a:p>
+                  </a:txBody>
+                  <a:tcPr/>
+                </a:tc>
+                <a:extLst>
+                  <a:ext uri="{0D108BD9-81ED-4DB2-BD59-A6C34878D82A}">
+                    <a16:rowId xmlns:a16="http://schemas.microsoft.com/office/drawing/2014/main" val="2861334356"/>
+                  </a:ext>
+                </a:extLst>
+              </a:tr>
+              <a:tr h="6223680">
+                <a:tc>
+                  <a:txBody>
+                    <a:bodyPr/>
+                    <a:lstStyle/>
+                    <a:p>
+                      <a:r>
+                        <a:rPr lang="en-US" altLang="zh-CN" dirty="0"/>
+                        <a:t>1. </a:t>
+                      </a:r>
+                      <a:r>
+                        <a:rPr lang="zh-CN" altLang="en-US" dirty="0"/>
+                        <a:t>使用 </a:t>
+                      </a:r>
+                      <a:r>
+                        <a:rPr lang="en-US" altLang="zh-CN" dirty="0" err="1"/>
+                        <a:t>js</a:t>
+                      </a:r>
+                      <a:r>
+                        <a:rPr lang="en-US" altLang="zh-CN" dirty="0"/>
+                        <a:t> </a:t>
+                      </a:r>
+                      <a:r>
+                        <a:rPr lang="zh-CN" altLang="en-US" dirty="0"/>
+                        <a:t>完成表单校验</a:t>
+                      </a:r>
+                      <a:endParaRPr lang="en-US" altLang="zh-CN" dirty="0"/>
+                    </a:p>
+                    <a:p>
+                      <a:r>
+                        <a:rPr lang="en-US" altLang="zh-CN" dirty="0"/>
+                        <a:t>2. </a:t>
+                      </a:r>
+                      <a:r>
+                        <a:rPr lang="zh-CN" altLang="en-US" dirty="0"/>
+                        <a:t>使用 </a:t>
+                      </a:r>
+                      <a:r>
+                        <a:rPr lang="en-US" altLang="zh-CN" dirty="0"/>
+                        <a:t>ajax </a:t>
+                      </a:r>
+                      <a:r>
+                        <a:rPr lang="zh-CN" altLang="en-US" dirty="0"/>
+                        <a:t>完成表单提交</a:t>
+                      </a:r>
+                      <a:endParaRPr lang="en-US" altLang="zh-CN" dirty="0"/>
+                    </a:p>
+                    <a:p>
+                      <a:r>
+                        <a:rPr lang="en-US" altLang="zh-CN" dirty="0"/>
+                        <a:t>3. </a:t>
+                      </a:r>
+                      <a:r>
+                        <a:rPr lang="zh-CN" altLang="en-US" dirty="0"/>
+                        <a:t>注册成功，跳转到成功页面</a:t>
+                      </a:r>
+                    </a:p>
+                  </a:txBody>
+                  <a:tcPr/>
+                </a:tc>
+                <a:tc>
+                  <a:txBody>
+                    <a:bodyPr/>
+                    <a:lstStyle/>
+                    <a:p>
+                      <a:pPr marL="342900" indent="-342900">
+                        <a:buAutoNum type="arabicPeriod"/>
+                      </a:pPr>
+                      <a:r>
+                        <a:rPr lang="zh-CN" altLang="en-US" dirty="0"/>
+                        <a:t>获取数据</a:t>
+                      </a:r>
+                      <a:endParaRPr lang="en-US" altLang="zh-CN" dirty="0"/>
+                    </a:p>
+                    <a:p>
+                      <a:pPr marL="342900" indent="-342900">
+                        <a:buAutoNum type="arabicPeriod"/>
+                      </a:pPr>
+                      <a:r>
+                        <a:rPr lang="zh-CN" altLang="en-US" dirty="0"/>
+                        <a:t>封装 </a:t>
+                      </a:r>
+                      <a:r>
+                        <a:rPr lang="en-US" altLang="zh-CN" dirty="0"/>
+                        <a:t>User </a:t>
+                      </a:r>
+                      <a:r>
+                        <a:rPr lang="zh-CN" altLang="en-US" dirty="0"/>
+                        <a:t>对象</a:t>
+                      </a:r>
+                      <a:endParaRPr lang="en-US" altLang="zh-CN" dirty="0"/>
+                    </a:p>
+                    <a:p>
+                      <a:pPr marL="342900" indent="-342900">
+                        <a:buAutoNum type="arabicPeriod"/>
+                      </a:pPr>
+                      <a:r>
+                        <a:rPr lang="zh-CN" altLang="en-US" dirty="0"/>
+                        <a:t>调用 </a:t>
+                      </a:r>
+                      <a:r>
+                        <a:rPr lang="en-US" altLang="zh-CN" dirty="0"/>
+                        <a:t>service </a:t>
+                      </a:r>
+                      <a:r>
+                        <a:rPr lang="zh-CN" altLang="en-US" dirty="0"/>
+                        <a:t>完成注册</a:t>
+                      </a:r>
+                      <a:endParaRPr lang="en-US" altLang="zh-CN" dirty="0"/>
+                    </a:p>
+                    <a:p>
+                      <a:pPr marL="342900" indent="-342900">
+                        <a:buAutoNum type="arabicPeriod"/>
+                      </a:pPr>
+                      <a:r>
+                        <a:rPr lang="zh-CN" altLang="en-US" dirty="0"/>
+                        <a:t>根据 </a:t>
+                      </a:r>
+                      <a:r>
+                        <a:rPr lang="en-US" altLang="zh-CN" dirty="0"/>
+                        <a:t>service </a:t>
+                      </a:r>
+                      <a:r>
+                        <a:rPr lang="zh-CN" altLang="en-US" dirty="0"/>
+                        <a:t>的返回，提示信息</a:t>
+                      </a:r>
+                      <a:endParaRPr lang="en-US" altLang="zh-CN" dirty="0"/>
+                    </a:p>
+                    <a:p>
+                      <a:pPr marL="0" indent="0">
+                        <a:buNone/>
+                      </a:pPr>
+                      <a:r>
+                        <a:rPr lang="zh-CN" altLang="en-US" dirty="0"/>
+                        <a:t>      将提示信息转为 </a:t>
+                      </a:r>
+                      <a:r>
+                        <a:rPr lang="en-US" altLang="zh-CN" dirty="0"/>
+                        <a:t>json</a:t>
+                      </a:r>
+                    </a:p>
+                    <a:p>
+                      <a:pPr marL="0" indent="0">
+                        <a:buNone/>
+                      </a:pPr>
+                      <a:r>
+                        <a:rPr lang="en-US" altLang="zh-CN" dirty="0"/>
+                        <a:t>      </a:t>
+                      </a:r>
+                      <a:r>
+                        <a:rPr lang="zh-CN" altLang="en-US" dirty="0"/>
+                        <a:t>设置响应头 </a:t>
+                      </a:r>
+                      <a:r>
+                        <a:rPr lang="en-US" altLang="zh-CN" dirty="0" err="1"/>
+                        <a:t>contentType</a:t>
+                      </a:r>
+                      <a:endParaRPr lang="zh-CN" altLang="en-US" dirty="0"/>
+                    </a:p>
+                  </a:txBody>
+                  <a:tcPr/>
+                </a:tc>
+                <a:tc>
+                  <a:txBody>
+                    <a:bodyPr/>
+                    <a:lstStyle/>
+                    <a:p>
+                      <a:r>
+                        <a:rPr lang="zh-CN" altLang="en-US" dirty="0"/>
+                        <a:t>调用 </a:t>
+                      </a:r>
+                      <a:r>
+                        <a:rPr lang="en-US" altLang="zh-CN" dirty="0" err="1"/>
+                        <a:t>dao</a:t>
+                      </a:r>
+                      <a:r>
+                        <a:rPr lang="en-US" altLang="zh-CN" dirty="0"/>
+                        <a:t> </a:t>
+                      </a:r>
+                      <a:r>
+                        <a:rPr lang="zh-CN" altLang="en-US" dirty="0"/>
+                        <a:t>根据用户名查询用户</a:t>
+                      </a:r>
+                      <a:endParaRPr lang="en-US" altLang="zh-CN" dirty="0"/>
+                    </a:p>
+                    <a:p>
+                      <a:r>
+                        <a:rPr lang="zh-CN" altLang="en-US" dirty="0"/>
+                        <a:t>存在：返回 </a:t>
+                      </a:r>
+                      <a:r>
+                        <a:rPr lang="en-US" altLang="zh-CN" dirty="0"/>
+                        <a:t>false</a:t>
+                      </a:r>
+                    </a:p>
+                    <a:p>
+                      <a:r>
+                        <a:rPr lang="zh-CN" altLang="en-US" dirty="0"/>
+                        <a:t>不存在：调用 </a:t>
+                      </a:r>
+                      <a:r>
+                        <a:rPr lang="en-US" altLang="zh-CN" dirty="0" err="1"/>
+                        <a:t>dao</a:t>
+                      </a:r>
+                      <a:r>
+                        <a:rPr lang="en-US" altLang="zh-CN" dirty="0"/>
+                        <a:t> </a:t>
+                      </a:r>
+                      <a:r>
+                        <a:rPr lang="zh-CN" altLang="en-US" dirty="0"/>
+                        <a:t>保存用户信息</a:t>
+                      </a:r>
+                    </a:p>
+                  </a:txBody>
+                  <a:tcPr/>
+                </a:tc>
+                <a:tc>
+                  <a:txBody>
+                    <a:bodyPr/>
+                    <a:lstStyle/>
+                    <a:p>
+                      <a:r>
+                        <a:rPr lang="en-US" altLang="zh-CN" dirty="0" err="1"/>
+                        <a:t>findByUsername</a:t>
+                      </a:r>
+                      <a:r>
+                        <a:rPr lang="en-US" altLang="zh-CN" dirty="0"/>
+                        <a:t>(String user);</a:t>
+                      </a:r>
+                    </a:p>
+                    <a:p>
+                      <a:endParaRPr lang="en-US" altLang="zh-CN" dirty="0"/>
+                    </a:p>
+                    <a:p>
+                      <a:endParaRPr lang="en-US" altLang="zh-CN" dirty="0"/>
+                    </a:p>
+                    <a:p>
+                      <a:endParaRPr lang="en-US" altLang="zh-CN" dirty="0"/>
+                    </a:p>
+                    <a:p>
+                      <a:r>
+                        <a:rPr lang="en-US" altLang="zh-CN" dirty="0"/>
+                        <a:t>Save(User user);</a:t>
+                      </a:r>
+                      <a:endParaRPr lang="zh-CN" altLang="en-US" dirty="0"/>
                     </a:p>
                   </a:txBody>
                   <a:tcPr/>
@@ -4649,47 +4968,96 @@
                   </a:ext>
                 </a:extLst>
               </a:tr>
-              <a:tr h="3429000">
-                <a:tc>
-                  <a:txBody>
-                    <a:bodyPr/>
-                    <a:lstStyle/>
-                    <a:p>
-                      <a:endParaRPr lang="zh-CN" altLang="en-US"/>
-                    </a:p>
-                  </a:txBody>
-                  <a:tcPr/>
-                </a:tc>
-                <a:tc>
-                  <a:txBody>
-                    <a:bodyPr/>
-                    <a:lstStyle/>
-                    <a:p>
-                      <a:endParaRPr lang="zh-CN" altLang="en-US" dirty="0"/>
-                    </a:p>
-                  </a:txBody>
-                  <a:tcPr/>
-                </a:tc>
-                <a:tc>
-                  <a:txBody>
-                    <a:bodyPr/>
-                    <a:lstStyle/>
-                    <a:p>
-                      <a:endParaRPr lang="zh-CN" altLang="en-US" dirty="0"/>
-                    </a:p>
-                  </a:txBody>
-                  <a:tcPr/>
-                </a:tc>
-                <a:extLst>
-                  <a:ext uri="{0D108BD9-81ED-4DB2-BD59-A6C34878D82A}">
-                    <a16:rowId xmlns:a16="http://schemas.microsoft.com/office/drawing/2014/main" val="96129921"/>
-                  </a:ext>
-                </a:extLst>
-              </a:tr>
             </a:tbl>
           </a:graphicData>
         </a:graphic>
       </p:graphicFrame>
+      <p:cxnSp>
+        <p:nvCxnSpPr>
+          <p:cNvPr id="3" name="直接箭头连接符 2">
+            <a:extLst>
+              <a:ext uri="{FF2B5EF4-FFF2-40B4-BE49-F238E27FC236}">
+                <a16:creationId xmlns:a16="http://schemas.microsoft.com/office/drawing/2014/main" id="{44D488EF-59EE-4810-A927-A05E28CBE262}"/>
+              </a:ext>
+            </a:extLst>
+          </p:cNvPr>
+          <p:cNvCxnSpPr/>
+          <p:nvPr/>
+        </p:nvCxnSpPr>
+        <p:spPr>
+          <a:xfrm flipV="1">
+            <a:off x="6596109" y="870012"/>
+            <a:ext cx="2689934" cy="221941"/>
+          </a:xfrm>
+          <a:prstGeom prst="straightConnector1">
+            <a:avLst/>
+          </a:prstGeom>
+          <a:ln w="28575">
+            <a:solidFill>
+              <a:srgbClr val="FF0000"/>
+            </a:solidFill>
+            <a:tailEnd type="triangle"/>
+          </a:ln>
+        </p:spPr>
+        <p:style>
+          <a:lnRef idx="1">
+            <a:schemeClr val="accent1"/>
+          </a:lnRef>
+          <a:fillRef idx="0">
+            <a:schemeClr val="accent1"/>
+          </a:fillRef>
+          <a:effectRef idx="0">
+            <a:schemeClr val="accent1"/>
+          </a:effectRef>
+          <a:fontRef idx="minor">
+            <a:schemeClr val="tx1"/>
+          </a:fontRef>
+        </p:style>
+      </p:cxnSp>
+      <p:cxnSp>
+        <p:nvCxnSpPr>
+          <p:cNvPr id="5" name="直接箭头连接符 4">
+            <a:extLst>
+              <a:ext uri="{FF2B5EF4-FFF2-40B4-BE49-F238E27FC236}">
+                <a16:creationId xmlns:a16="http://schemas.microsoft.com/office/drawing/2014/main" id="{D568D9E2-A971-4873-BF3D-CB02C813730E}"/>
+              </a:ext>
+            </a:extLst>
+          </p:cNvPr>
+          <p:cNvCxnSpPr>
+            <a:cxnSpLocks/>
+          </p:cNvCxnSpPr>
+          <p:nvPr/>
+        </p:nvCxnSpPr>
+        <p:spPr>
+          <a:xfrm>
+            <a:off x="6977849" y="1669002"/>
+            <a:ext cx="2308194" cy="292963"/>
+          </a:xfrm>
+          <a:prstGeom prst="straightConnector1">
+            <a:avLst/>
+          </a:prstGeom>
+          <a:ln w="28575">
+            <a:solidFill>
+              <a:srgbClr val="FF0000"/>
+            </a:solidFill>
+            <a:tailEnd type="triangle"/>
+          </a:ln>
+        </p:spPr>
+        <p:style>
+          <a:lnRef idx="1">
+            <a:schemeClr val="accent1"/>
+          </a:lnRef>
+          <a:fillRef idx="0">
+            <a:schemeClr val="accent1"/>
+          </a:fillRef>
+          <a:effectRef idx="0">
+            <a:schemeClr val="accent1"/>
+          </a:effectRef>
+          <a:fontRef idx="minor">
+            <a:schemeClr val="tx1"/>
+          </a:fontRef>
+        </p:style>
+      </p:cxnSp>
     </p:spTree>
     <p:extLst>
       <p:ext uri="{BB962C8B-B14F-4D97-AF65-F5344CB8AC3E}">
